--- a/public/user/output/U201812791-刘棫欣-1.《喜马拉雅FM免费增值策略对用户留存的影响的实证研究》/output_1_2.pptx
+++ b/public/user/output/U201812791-刘棫欣-1.《喜马拉雅FM免费增值策略对用户留存的影响的实证研究》/output_1_2.pptx
@@ -3619,7 +3619,7 @@
               </a:defRPr>
             </a:pPr>
             <a:r>
-              <a:t>3. 行业现状</a:t>
+              <a:t>3. 行业前景</a:t>
             </a:r>
           </a:p>
         </p:txBody>
@@ -3655,79 +3655,7 @@
               </a:defRPr>
             </a:pPr>
             <a:r>
-              <a:t>- 拥有海量用户基础，社交音频受关注，用户和市场规模增长。</a:t>
-            </a:r>
-          </a:p>
-        </p:txBody>
-      </p:sp>
-      <p:sp>
-        <p:nvSpPr>
-          <p:cNvPr id="7" name="TextBox 6"/>
-          <p:cNvSpPr txBox="1"/>
-          <p:nvPr/>
-        </p:nvSpPr>
-        <p:spPr>
-          <a:xfrm>
-            <a:off x="1371600" y="3383280"/>
-            <a:ext cx="9144000" cy="1371600"/>
-          </a:xfrm>
-          <a:prstGeom prst="rect">
-            <a:avLst/>
-          </a:prstGeom>
-          <a:noFill/>
-        </p:spPr>
-        <p:txBody>
-          <a:bodyPr wrap="square">
-            <a:spAutoFit/>
-          </a:bodyPr>
-          <a:lstStyle/>
-          <a:p>
-            <a:pPr>
-              <a:defRPr b="1" sz="2200">
-                <a:solidFill>
-                  <a:srgbClr val="000000"/>
-                </a:solidFill>
-                <a:latin typeface="微软雅黑"/>
-              </a:defRPr>
-            </a:pPr>
-            <a:r>
-              <a:t>4. 存在问题</a:t>
-            </a:r>
-          </a:p>
-        </p:txBody>
-      </p:sp>
-      <p:sp>
-        <p:nvSpPr>
-          <p:cNvPr id="8" name="TextBox 7"/>
-          <p:cNvSpPr txBox="1"/>
-          <p:nvPr/>
-        </p:nvSpPr>
-        <p:spPr>
-          <a:xfrm>
-            <a:off x="1371600" y="4754880"/>
-            <a:ext cx="9144000" cy="1371600"/>
-          </a:xfrm>
-          <a:prstGeom prst="rect">
-            <a:avLst/>
-          </a:prstGeom>
-          <a:noFill/>
-        </p:spPr>
-        <p:txBody>
-          <a:bodyPr wrap="square">
-            <a:spAutoFit/>
-          </a:bodyPr>
-          <a:lstStyle/>
-          <a:p>
-            <a:pPr>
-              <a:defRPr b="0" sz="2000">
-                <a:solidFill>
-                  <a:srgbClr val="000000"/>
-                </a:solidFill>
-                <a:latin typeface="微软雅黑"/>
-              </a:defRPr>
-            </a:pPr>
-            <a:r>
-              <a:t>- 未立足用户需求，存在大量问题，尤其知识变现问题。</a:t>
+              <a:t>- 虽市场需求大，但内部发展前景不容乐观，免费用户不付费，用户交互可提供口碑。</a:t>
             </a:r>
           </a:p>
         </p:txBody>
